--- a/presentations/source-code.pptx
+++ b/presentations/source-code.pptx
@@ -6,6 +6,7 @@
   </p:sldMasterIdLst>
   <p:sldIdLst>
     <p:sldId id="256" r:id="rId2"/>
+    <p:sldId id="257" r:id="rId3"/>
   </p:sldIdLst>
   <p:sldSz cx="12192000" cy="6858000"/>
   <p:notesSz cx="6858000" cy="9144000"/>
@@ -3367,8 +3368,6 @@
               </a:rPr>
               <a:t> machine </a:t>
             </a:r>
-          </a:p>
-          <a:p>
             <a:r>
               <a:rPr lang="en-US" sz="1400" dirty="0">
                 <a:solidFill>
@@ -3405,8 +3404,10 @@
                 </a:solidFill>
                 <a:latin typeface="Menlo-Regular" panose="020B0609030804020204" pitchFamily="49" charset="0"/>
               </a:rPr>
-              <a:t> VL53L0X </a:t>
-            </a:r>
+              <a:t> VL53L0X</a:t>
+            </a:r>
+          </a:p>
+          <a:p>
             <a:r>
               <a:rPr lang="en-US" sz="1400" dirty="0">
                 <a:solidFill>
@@ -3425,8 +3426,6 @@
               </a:rPr>
               <a:t> neopixel </a:t>
             </a:r>
-          </a:p>
-          <a:p>
             <a:r>
               <a:rPr lang="en-US" sz="1400" dirty="0">
                 <a:solidFill>
@@ -3607,6 +3606,14 @@
             </a:r>
           </a:p>
           <a:p>
+            <a:endParaRPr lang="en-US" sz="1400" dirty="0">
+              <a:solidFill>
+                <a:srgbClr val="8CD3FE"/>
+              </a:solidFill>
+              <a:latin typeface="Menlo-Regular" panose="020B0609030804020204" pitchFamily="49" charset="0"/>
+            </a:endParaRPr>
+          </a:p>
+          <a:p>
             <a:r>
               <a:rPr lang="en-US" sz="1400" dirty="0" err="1">
                 <a:solidFill>
@@ -3845,8 +3852,6 @@
               </a:rPr>
               <a:t>)</a:t>
             </a:r>
-          </a:p>
-          <a:p>
             <a:endParaRPr lang="en-US" sz="1400" dirty="0">
               <a:solidFill>
                 <a:srgbClr val="598A43"/>
@@ -4709,6 +4714,772 @@
     <p:extLst>
       <p:ext uri="{BB962C8B-B14F-4D97-AF65-F5344CB8AC3E}">
         <p14:creationId xmlns:p14="http://schemas.microsoft.com/office/powerpoint/2010/main" val="4244727344"/>
+      </p:ext>
+    </p:extLst>
+  </p:cSld>
+  <p:clrMapOvr>
+    <a:masterClrMapping/>
+  </p:clrMapOvr>
+</p:sld>
+</file>
+
+<file path=ppt/slides/slide2.xml><?xml version="1.0" encoding="utf-8"?>
+<p:sld xmlns:a="http://schemas.openxmlformats.org/drawingml/2006/main" xmlns:r="http://schemas.openxmlformats.org/officeDocument/2006/relationships" xmlns:p="http://schemas.openxmlformats.org/presentationml/2006/main">
+  <p:cSld>
+    <p:spTree>
+      <p:nvGrpSpPr>
+        <p:cNvPr id="1" name=""/>
+        <p:cNvGrpSpPr/>
+        <p:nvPr/>
+      </p:nvGrpSpPr>
+      <p:grpSpPr>
+        <a:xfrm>
+          <a:off x="0" y="0"/>
+          <a:ext cx="0" cy="0"/>
+          <a:chOff x="0" y="0"/>
+          <a:chExt cx="0" cy="0"/>
+        </a:xfrm>
+      </p:grpSpPr>
+      <p:sp>
+        <p:nvSpPr>
+          <p:cNvPr id="4" name="TextBox 3">
+            <a:extLst>
+              <a:ext uri="{FF2B5EF4-FFF2-40B4-BE49-F238E27FC236}">
+                <a16:creationId xmlns:a16="http://schemas.microsoft.com/office/drawing/2014/main" id="{DFACC43D-42D4-81A3-E263-0496B51644A0}"/>
+              </a:ext>
+            </a:extLst>
+          </p:cNvPr>
+          <p:cNvSpPr txBox="1"/>
+          <p:nvPr/>
+        </p:nvSpPr>
+        <p:spPr>
+          <a:xfrm>
+            <a:off x="374572" y="154236"/>
+            <a:ext cx="6413935" cy="3539430"/>
+          </a:xfrm>
+          <a:prstGeom prst="rect">
+            <a:avLst/>
+          </a:prstGeom>
+          <a:noFill/>
+        </p:spPr>
+        <p:txBody>
+          <a:bodyPr wrap="none" rtlCol="0">
+            <a:spAutoFit/>
+          </a:bodyPr>
+          <a:lstStyle/>
+          <a:p>
+            <a:r>
+              <a:rPr lang="en-US" sz="1400" dirty="0">
+                <a:solidFill>
+                  <a:srgbClr val="B76FB3"/>
+                </a:solidFill>
+                <a:latin typeface="Menlo-Regular" panose="020B0609030804020204" pitchFamily="49" charset="0"/>
+              </a:rPr>
+              <a:t>from</a:t>
+            </a:r>
+            <a:r>
+              <a:rPr lang="en-US" sz="1400" dirty="0">
+                <a:solidFill>
+                  <a:srgbClr val="CACACA"/>
+                </a:solidFill>
+                <a:latin typeface="Menlo-Regular" panose="020B0609030804020204" pitchFamily="49" charset="0"/>
+              </a:rPr>
+              <a:t> machine </a:t>
+            </a:r>
+          </a:p>
+          <a:p>
+            <a:r>
+              <a:rPr lang="en-US" sz="1400" dirty="0">
+                <a:solidFill>
+                  <a:srgbClr val="B76FB3"/>
+                </a:solidFill>
+                <a:latin typeface="Menlo-Regular" panose="020B0609030804020204" pitchFamily="49" charset="0"/>
+              </a:rPr>
+              <a:t>import</a:t>
+            </a:r>
+            <a:r>
+              <a:rPr lang="en-US" sz="1400" dirty="0">
+                <a:solidFill>
+                  <a:srgbClr val="CACACA"/>
+                </a:solidFill>
+                <a:latin typeface="Menlo-Regular" panose="020B0609030804020204" pitchFamily="49" charset="0"/>
+              </a:rPr>
+              <a:t> Pin, I2C</a:t>
+            </a:r>
+          </a:p>
+          <a:p>
+            <a:r>
+              <a:rPr lang="en-US" sz="1400" dirty="0">
+                <a:solidFill>
+                  <a:srgbClr val="B76FB3"/>
+                </a:solidFill>
+                <a:latin typeface="Menlo-Regular" panose="020B0609030804020204" pitchFamily="49" charset="0"/>
+              </a:rPr>
+              <a:t>from</a:t>
+            </a:r>
+            <a:r>
+              <a:rPr lang="en-US" sz="1400" dirty="0">
+                <a:solidFill>
+                  <a:srgbClr val="CACACA"/>
+                </a:solidFill>
+                <a:latin typeface="Menlo-Regular" panose="020B0609030804020204" pitchFamily="49" charset="0"/>
+              </a:rPr>
+              <a:t> neopixel </a:t>
+            </a:r>
+            <a:r>
+              <a:rPr lang="en-US" sz="1400" dirty="0">
+                <a:solidFill>
+                  <a:srgbClr val="B76FB3"/>
+                </a:solidFill>
+                <a:latin typeface="Menlo-Regular" panose="020B0609030804020204" pitchFamily="49" charset="0"/>
+              </a:rPr>
+              <a:t>import</a:t>
+            </a:r>
+            <a:r>
+              <a:rPr lang="en-US" sz="1400" dirty="0">
+                <a:solidFill>
+                  <a:srgbClr val="CACACA"/>
+                </a:solidFill>
+                <a:latin typeface="Menlo-Regular" panose="020B0609030804020204" pitchFamily="49" charset="0"/>
+              </a:rPr>
+              <a:t> NeoPixel</a:t>
+            </a:r>
+          </a:p>
+          <a:p>
+            <a:r>
+              <a:rPr lang="en-US" sz="1400" dirty="0">
+                <a:solidFill>
+                  <a:srgbClr val="B76FB3"/>
+                </a:solidFill>
+                <a:latin typeface="Menlo-Regular" panose="020B0609030804020204" pitchFamily="49" charset="0"/>
+              </a:rPr>
+              <a:t>from</a:t>
+            </a:r>
+            <a:r>
+              <a:rPr lang="en-US" sz="1400" dirty="0">
+                <a:solidFill>
+                  <a:srgbClr val="CACACA"/>
+                </a:solidFill>
+                <a:latin typeface="Menlo-Regular" panose="020B0609030804020204" pitchFamily="49" charset="0"/>
+              </a:rPr>
+              <a:t> utime </a:t>
+            </a:r>
+            <a:r>
+              <a:rPr lang="en-US" sz="1400" dirty="0">
+                <a:solidFill>
+                  <a:srgbClr val="B76FB3"/>
+                </a:solidFill>
+                <a:latin typeface="Menlo-Regular" panose="020B0609030804020204" pitchFamily="49" charset="0"/>
+              </a:rPr>
+              <a:t>import</a:t>
+            </a:r>
+            <a:r>
+              <a:rPr lang="en-US" sz="1400" dirty="0">
+                <a:solidFill>
+                  <a:srgbClr val="CACACA"/>
+                </a:solidFill>
+                <a:latin typeface="Menlo-Regular" panose="020B0609030804020204" pitchFamily="49" charset="0"/>
+              </a:rPr>
+              <a:t> sleep</a:t>
+            </a:r>
+          </a:p>
+          <a:p>
+            <a:endParaRPr lang="en-US" sz="1400" dirty="0">
+              <a:solidFill>
+                <a:srgbClr val="42B3FF"/>
+              </a:solidFill>
+              <a:latin typeface="Menlo-Regular" panose="020B0609030804020204" pitchFamily="49" charset="0"/>
+            </a:endParaRPr>
+          </a:p>
+          <a:p>
+            <a:r>
+              <a:rPr lang="en-US" sz="1400" dirty="0">
+                <a:solidFill>
+                  <a:srgbClr val="42B3FF"/>
+                </a:solidFill>
+                <a:latin typeface="Menlo-Regular" panose="020B0609030804020204" pitchFamily="49" charset="0"/>
+              </a:rPr>
+              <a:t>NEOPIXEL_PIN</a:t>
+            </a:r>
+            <a:r>
+              <a:rPr lang="en-US" sz="1400" dirty="0">
+                <a:solidFill>
+                  <a:srgbClr val="CACACA"/>
+                </a:solidFill>
+                <a:latin typeface="Menlo-Regular" panose="020B0609030804020204" pitchFamily="49" charset="0"/>
+              </a:rPr>
+              <a:t> = </a:t>
+            </a:r>
+            <a:r>
+              <a:rPr lang="en-US" sz="1400" dirty="0">
+                <a:solidFill>
+                  <a:srgbClr val="A7C598"/>
+                </a:solidFill>
+                <a:latin typeface="Menlo-Regular" panose="020B0609030804020204" pitchFamily="49" charset="0"/>
+              </a:rPr>
+              <a:t>0</a:t>
+            </a:r>
+          </a:p>
+          <a:p>
+            <a:r>
+              <a:rPr lang="en-US" sz="1400" dirty="0">
+                <a:solidFill>
+                  <a:srgbClr val="42B3FF"/>
+                </a:solidFill>
+                <a:latin typeface="Menlo-Regular" panose="020B0609030804020204" pitchFamily="49" charset="0"/>
+              </a:rPr>
+              <a:t>NUMBER_PIXELS</a:t>
+            </a:r>
+            <a:r>
+              <a:rPr lang="en-US" sz="1400" dirty="0">
+                <a:solidFill>
+                  <a:srgbClr val="CACACA"/>
+                </a:solidFill>
+                <a:latin typeface="Menlo-Regular" panose="020B0609030804020204" pitchFamily="49" charset="0"/>
+              </a:rPr>
+              <a:t> = </a:t>
+            </a:r>
+            <a:r>
+              <a:rPr lang="en-US" sz="1400" dirty="0">
+                <a:solidFill>
+                  <a:srgbClr val="A7C598"/>
+                </a:solidFill>
+                <a:latin typeface="Menlo-Regular" panose="020B0609030804020204" pitchFamily="49" charset="0"/>
+              </a:rPr>
+              <a:t>12</a:t>
+            </a:r>
+          </a:p>
+          <a:p>
+            <a:r>
+              <a:rPr lang="en-US" sz="1400" dirty="0">
+                <a:solidFill>
+                  <a:srgbClr val="8CD3FE"/>
+                </a:solidFill>
+                <a:latin typeface="Menlo-Regular" panose="020B0609030804020204" pitchFamily="49" charset="0"/>
+              </a:rPr>
+              <a:t>strip</a:t>
+            </a:r>
+            <a:r>
+              <a:rPr lang="en-US" sz="1400" dirty="0">
+                <a:solidFill>
+                  <a:srgbClr val="CACACA"/>
+                </a:solidFill>
+                <a:latin typeface="Menlo-Regular" panose="020B0609030804020204" pitchFamily="49" charset="0"/>
+              </a:rPr>
+              <a:t> = NeoPixel(machine.Pin(</a:t>
+            </a:r>
+            <a:r>
+              <a:rPr lang="en-US" sz="1400" dirty="0">
+                <a:solidFill>
+                  <a:srgbClr val="42B3FF"/>
+                </a:solidFill>
+                <a:latin typeface="Menlo-Regular" panose="020B0609030804020204" pitchFamily="49" charset="0"/>
+              </a:rPr>
+              <a:t>NEOPIXEL_PIN</a:t>
+            </a:r>
+            <a:r>
+              <a:rPr lang="en-US" sz="1400" dirty="0">
+                <a:solidFill>
+                  <a:srgbClr val="CACACA"/>
+                </a:solidFill>
+                <a:latin typeface="Menlo-Regular" panose="020B0609030804020204" pitchFamily="49" charset="0"/>
+              </a:rPr>
+              <a:t>), </a:t>
+            </a:r>
+            <a:r>
+              <a:rPr lang="en-US" sz="1400" dirty="0">
+                <a:solidFill>
+                  <a:srgbClr val="42B3FF"/>
+                </a:solidFill>
+                <a:latin typeface="Menlo-Regular" panose="020B0609030804020204" pitchFamily="49" charset="0"/>
+              </a:rPr>
+              <a:t>NUMBER_PIXELS</a:t>
+            </a:r>
+            <a:r>
+              <a:rPr lang="en-US" sz="1400" dirty="0">
+                <a:solidFill>
+                  <a:srgbClr val="CACACA"/>
+                </a:solidFill>
+                <a:latin typeface="Menlo-Regular" panose="020B0609030804020204" pitchFamily="49" charset="0"/>
+              </a:rPr>
+              <a:t>)</a:t>
+            </a:r>
+          </a:p>
+          <a:p>
+            <a:endParaRPr lang="en-US" sz="1400" dirty="0">
+              <a:solidFill>
+                <a:srgbClr val="CACACA"/>
+              </a:solidFill>
+              <a:latin typeface="Menlo-Regular" panose="020B0609030804020204" pitchFamily="49" charset="0"/>
+            </a:endParaRPr>
+          </a:p>
+          <a:p>
+            <a:r>
+              <a:rPr lang="en-US" sz="1400" b="0" dirty="0">
+                <a:solidFill>
+                  <a:srgbClr val="C586C0"/>
+                </a:solidFill>
+                <a:effectLst/>
+                <a:latin typeface="Menlo" panose="020B0609030804020204" pitchFamily="49" charset="0"/>
+              </a:rPr>
+              <a:t>while</a:t>
+            </a:r>
+            <a:r>
+              <a:rPr lang="en-US" sz="1400" b="0" dirty="0">
+                <a:solidFill>
+                  <a:srgbClr val="D4D4D4"/>
+                </a:solidFill>
+                <a:effectLst/>
+                <a:latin typeface="Menlo" panose="020B0609030804020204" pitchFamily="49" charset="0"/>
+              </a:rPr>
+              <a:t> </a:t>
+            </a:r>
+            <a:r>
+              <a:rPr lang="en-US" sz="1400" b="0" dirty="0">
+                <a:solidFill>
+                  <a:srgbClr val="569CD6"/>
+                </a:solidFill>
+                <a:effectLst/>
+                <a:latin typeface="Menlo" panose="020B0609030804020204" pitchFamily="49" charset="0"/>
+              </a:rPr>
+              <a:t>True</a:t>
+            </a:r>
+            <a:r>
+              <a:rPr lang="en-US" sz="1400" b="0" dirty="0">
+                <a:solidFill>
+                  <a:srgbClr val="D4D4D4"/>
+                </a:solidFill>
+                <a:effectLst/>
+                <a:latin typeface="Menlo" panose="020B0609030804020204" pitchFamily="49" charset="0"/>
+              </a:rPr>
+              <a:t>:</a:t>
+            </a:r>
+          </a:p>
+          <a:p>
+            <a:r>
+              <a:rPr lang="en-US" sz="1400" b="0" dirty="0">
+                <a:solidFill>
+                  <a:srgbClr val="C586C0"/>
+                </a:solidFill>
+                <a:effectLst/>
+                <a:latin typeface="Menlo" panose="020B0609030804020204" pitchFamily="49" charset="0"/>
+              </a:rPr>
+              <a:t>	for</a:t>
+            </a:r>
+            <a:r>
+              <a:rPr lang="en-US" sz="1400" b="0" dirty="0">
+                <a:solidFill>
+                  <a:srgbClr val="D4D4D4"/>
+                </a:solidFill>
+                <a:effectLst/>
+                <a:latin typeface="Menlo" panose="020B0609030804020204" pitchFamily="49" charset="0"/>
+              </a:rPr>
+              <a:t> </a:t>
+            </a:r>
+            <a:r>
+              <a:rPr lang="en-US" sz="1400" b="0" dirty="0">
+                <a:solidFill>
+                  <a:srgbClr val="9CDCFE"/>
+                </a:solidFill>
+                <a:effectLst/>
+                <a:latin typeface="Menlo" panose="020B0609030804020204" pitchFamily="49" charset="0"/>
+              </a:rPr>
+              <a:t>i</a:t>
+            </a:r>
+            <a:r>
+              <a:rPr lang="en-US" sz="1400" b="0" dirty="0">
+                <a:solidFill>
+                  <a:srgbClr val="D4D4D4"/>
+                </a:solidFill>
+                <a:effectLst/>
+                <a:latin typeface="Menlo" panose="020B0609030804020204" pitchFamily="49" charset="0"/>
+              </a:rPr>
+              <a:t> </a:t>
+            </a:r>
+            <a:r>
+              <a:rPr lang="en-US" sz="1400" b="0" dirty="0">
+                <a:solidFill>
+                  <a:srgbClr val="C586C0"/>
+                </a:solidFill>
+                <a:effectLst/>
+                <a:latin typeface="Menlo" panose="020B0609030804020204" pitchFamily="49" charset="0"/>
+              </a:rPr>
+              <a:t>in</a:t>
+            </a:r>
+            <a:r>
+              <a:rPr lang="en-US" sz="1400" b="0" dirty="0">
+                <a:solidFill>
+                  <a:srgbClr val="D4D4D4"/>
+                </a:solidFill>
+                <a:effectLst/>
+                <a:latin typeface="Menlo" panose="020B0609030804020204" pitchFamily="49" charset="0"/>
+              </a:rPr>
+              <a:t> </a:t>
+            </a:r>
+            <a:r>
+              <a:rPr lang="en-US" sz="1400" b="0" dirty="0">
+                <a:solidFill>
+                  <a:srgbClr val="4EC9B0"/>
+                </a:solidFill>
+                <a:effectLst/>
+                <a:latin typeface="Menlo" panose="020B0609030804020204" pitchFamily="49" charset="0"/>
+              </a:rPr>
+              <a:t>range</a:t>
+            </a:r>
+            <a:r>
+              <a:rPr lang="en-US" sz="1400" b="0" dirty="0">
+                <a:solidFill>
+                  <a:srgbClr val="D4D4D4"/>
+                </a:solidFill>
+                <a:effectLst/>
+                <a:latin typeface="Menlo" panose="020B0609030804020204" pitchFamily="49" charset="0"/>
+              </a:rPr>
+              <a:t>(</a:t>
+            </a:r>
+            <a:r>
+              <a:rPr lang="en-US" sz="1400" b="0" dirty="0">
+                <a:solidFill>
+                  <a:srgbClr val="B5CEA8"/>
+                </a:solidFill>
+                <a:effectLst/>
+                <a:latin typeface="Menlo" panose="020B0609030804020204" pitchFamily="49" charset="0"/>
+              </a:rPr>
+              <a:t>0</a:t>
+            </a:r>
+            <a:r>
+              <a:rPr lang="en-US" sz="1400" b="0" dirty="0">
+                <a:solidFill>
+                  <a:srgbClr val="D4D4D4"/>
+                </a:solidFill>
+                <a:effectLst/>
+                <a:latin typeface="Menlo" panose="020B0609030804020204" pitchFamily="49" charset="0"/>
+              </a:rPr>
+              <a:t>, </a:t>
+            </a:r>
+            <a:r>
+              <a:rPr lang="en-US" sz="1400" b="0" dirty="0">
+                <a:solidFill>
+                  <a:srgbClr val="4FC1FF"/>
+                </a:solidFill>
+                <a:effectLst/>
+                <a:latin typeface="Menlo" panose="020B0609030804020204" pitchFamily="49" charset="0"/>
+              </a:rPr>
+              <a:t>NUMBER_PIXELS</a:t>
+            </a:r>
+            <a:r>
+              <a:rPr lang="en-US" sz="1400" b="0" dirty="0">
+                <a:solidFill>
+                  <a:srgbClr val="D4D4D4"/>
+                </a:solidFill>
+                <a:effectLst/>
+                <a:latin typeface="Menlo" panose="020B0609030804020204" pitchFamily="49" charset="0"/>
+              </a:rPr>
+              <a:t>):</a:t>
+            </a:r>
+          </a:p>
+          <a:p>
+            <a:r>
+              <a:rPr lang="en-US" sz="1400" b="0" dirty="0">
+                <a:solidFill>
+                  <a:srgbClr val="6A9955"/>
+                </a:solidFill>
+                <a:effectLst/>
+                <a:latin typeface="Menlo" panose="020B0609030804020204" pitchFamily="49" charset="0"/>
+              </a:rPr>
+              <a:t>	# (red, green, blue) values range from 0 to 255</a:t>
+            </a:r>
+            <a:endParaRPr lang="en-US" sz="1400" b="0" dirty="0">
+              <a:solidFill>
+                <a:srgbClr val="D4D4D4"/>
+              </a:solidFill>
+              <a:effectLst/>
+              <a:latin typeface="Menlo" panose="020B0609030804020204" pitchFamily="49" charset="0"/>
+            </a:endParaRPr>
+          </a:p>
+          <a:p>
+            <a:r>
+              <a:rPr lang="en-US" sz="1400" b="0" dirty="0">
+                <a:solidFill>
+                  <a:srgbClr val="9CDCFE"/>
+                </a:solidFill>
+                <a:effectLst/>
+                <a:latin typeface="Menlo" panose="020B0609030804020204" pitchFamily="49" charset="0"/>
+              </a:rPr>
+              <a:t>	strip</a:t>
+            </a:r>
+            <a:r>
+              <a:rPr lang="en-US" sz="1400" b="0" dirty="0">
+                <a:solidFill>
+                  <a:srgbClr val="D4D4D4"/>
+                </a:solidFill>
+                <a:effectLst/>
+                <a:latin typeface="Menlo" panose="020B0609030804020204" pitchFamily="49" charset="0"/>
+              </a:rPr>
+              <a:t>[</a:t>
+            </a:r>
+            <a:r>
+              <a:rPr lang="en-US" sz="1400" b="0" dirty="0">
+                <a:solidFill>
+                  <a:srgbClr val="9CDCFE"/>
+                </a:solidFill>
+                <a:effectLst/>
+                <a:latin typeface="Menlo" panose="020B0609030804020204" pitchFamily="49" charset="0"/>
+              </a:rPr>
+              <a:t>i</a:t>
+            </a:r>
+            <a:r>
+              <a:rPr lang="en-US" sz="1400" b="0" dirty="0">
+                <a:solidFill>
+                  <a:srgbClr val="D4D4D4"/>
+                </a:solidFill>
+                <a:effectLst/>
+                <a:latin typeface="Menlo" panose="020B0609030804020204" pitchFamily="49" charset="0"/>
+              </a:rPr>
+              <a:t>] = (</a:t>
+            </a:r>
+            <a:r>
+              <a:rPr lang="en-US" sz="1400" b="0" dirty="0">
+                <a:solidFill>
+                  <a:srgbClr val="B5CEA8"/>
+                </a:solidFill>
+                <a:effectLst/>
+                <a:latin typeface="Menlo" panose="020B0609030804020204" pitchFamily="49" charset="0"/>
+              </a:rPr>
+              <a:t>100</a:t>
+            </a:r>
+            <a:r>
+              <a:rPr lang="en-US" sz="1400" b="0" dirty="0">
+                <a:solidFill>
+                  <a:srgbClr val="D4D4D4"/>
+                </a:solidFill>
+                <a:effectLst/>
+                <a:latin typeface="Menlo" panose="020B0609030804020204" pitchFamily="49" charset="0"/>
+              </a:rPr>
+              <a:t>,</a:t>
+            </a:r>
+            <a:r>
+              <a:rPr lang="en-US" sz="1400" b="0" dirty="0">
+                <a:solidFill>
+                  <a:srgbClr val="B5CEA8"/>
+                </a:solidFill>
+                <a:effectLst/>
+                <a:latin typeface="Menlo" panose="020B0609030804020204" pitchFamily="49" charset="0"/>
+              </a:rPr>
+              <a:t>0</a:t>
+            </a:r>
+            <a:r>
+              <a:rPr lang="en-US" sz="1400" b="0" dirty="0">
+                <a:solidFill>
+                  <a:srgbClr val="D4D4D4"/>
+                </a:solidFill>
+                <a:effectLst/>
+                <a:latin typeface="Menlo" panose="020B0609030804020204" pitchFamily="49" charset="0"/>
+              </a:rPr>
+              <a:t>,</a:t>
+            </a:r>
+            <a:r>
+              <a:rPr lang="en-US" sz="1400" b="0" dirty="0">
+                <a:solidFill>
+                  <a:srgbClr val="B5CEA8"/>
+                </a:solidFill>
+                <a:effectLst/>
+                <a:latin typeface="Menlo" panose="020B0609030804020204" pitchFamily="49" charset="0"/>
+              </a:rPr>
+              <a:t>0</a:t>
+            </a:r>
+            <a:r>
+              <a:rPr lang="en-US" sz="1400" b="0" dirty="0">
+                <a:solidFill>
+                  <a:srgbClr val="D4D4D4"/>
+                </a:solidFill>
+                <a:effectLst/>
+                <a:latin typeface="Menlo" panose="020B0609030804020204" pitchFamily="49" charset="0"/>
+              </a:rPr>
+              <a:t>)</a:t>
+            </a:r>
+          </a:p>
+          <a:p>
+            <a:r>
+              <a:rPr lang="en-US" sz="1400" b="0" dirty="0">
+                <a:solidFill>
+                  <a:srgbClr val="9CDCFE"/>
+                </a:solidFill>
+                <a:effectLst/>
+                <a:latin typeface="Menlo" panose="020B0609030804020204" pitchFamily="49" charset="0"/>
+              </a:rPr>
+              <a:t>	</a:t>
+            </a:r>
+            <a:r>
+              <a:rPr lang="en-US" sz="1400" b="0" dirty="0" err="1">
+                <a:solidFill>
+                  <a:srgbClr val="9CDCFE"/>
+                </a:solidFill>
+                <a:effectLst/>
+                <a:latin typeface="Menlo" panose="020B0609030804020204" pitchFamily="49" charset="0"/>
+              </a:rPr>
+              <a:t>strip</a:t>
+            </a:r>
+            <a:r>
+              <a:rPr lang="en-US" sz="1400" b="0" dirty="0" err="1">
+                <a:solidFill>
+                  <a:srgbClr val="D4D4D4"/>
+                </a:solidFill>
+                <a:effectLst/>
+                <a:latin typeface="Menlo" panose="020B0609030804020204" pitchFamily="49" charset="0"/>
+              </a:rPr>
+              <a:t>.write</a:t>
+            </a:r>
+            <a:r>
+              <a:rPr lang="en-US" sz="1400" b="0" dirty="0">
+                <a:solidFill>
+                  <a:srgbClr val="D4D4D4"/>
+                </a:solidFill>
+                <a:effectLst/>
+                <a:latin typeface="Menlo" panose="020B0609030804020204" pitchFamily="49" charset="0"/>
+              </a:rPr>
+              <a:t>()</a:t>
+            </a:r>
+          </a:p>
+          <a:p>
+            <a:r>
+              <a:rPr lang="en-US" sz="1400" b="0" dirty="0">
+                <a:solidFill>
+                  <a:srgbClr val="D4D4D4"/>
+                </a:solidFill>
+                <a:effectLst/>
+                <a:latin typeface="Menlo" panose="020B0609030804020204" pitchFamily="49" charset="0"/>
+              </a:rPr>
+              <a:t>	sleep(</a:t>
+            </a:r>
+            <a:r>
+              <a:rPr lang="en-US" sz="1400" b="0" dirty="0">
+                <a:solidFill>
+                  <a:srgbClr val="B5CEA8"/>
+                </a:solidFill>
+                <a:effectLst/>
+                <a:latin typeface="Menlo" panose="020B0609030804020204" pitchFamily="49" charset="0"/>
+              </a:rPr>
+              <a:t>.1</a:t>
+            </a:r>
+            <a:r>
+              <a:rPr lang="en-US" sz="1400" b="0" dirty="0">
+                <a:solidFill>
+                  <a:srgbClr val="D4D4D4"/>
+                </a:solidFill>
+                <a:effectLst/>
+                <a:latin typeface="Menlo" panose="020B0609030804020204" pitchFamily="49" charset="0"/>
+              </a:rPr>
+              <a:t>) # 1/10 of a second</a:t>
+            </a:r>
+          </a:p>
+          <a:p>
+            <a:r>
+              <a:rPr lang="en-US" sz="1400" b="0" dirty="0">
+                <a:solidFill>
+                  <a:srgbClr val="9CDCFE"/>
+                </a:solidFill>
+                <a:effectLst/>
+                <a:latin typeface="Menlo" panose="020B0609030804020204" pitchFamily="49" charset="0"/>
+              </a:rPr>
+              <a:t>	strip</a:t>
+            </a:r>
+            <a:r>
+              <a:rPr lang="en-US" sz="1400" b="0" dirty="0">
+                <a:solidFill>
+                  <a:srgbClr val="D4D4D4"/>
+                </a:solidFill>
+                <a:effectLst/>
+                <a:latin typeface="Menlo" panose="020B0609030804020204" pitchFamily="49" charset="0"/>
+              </a:rPr>
+              <a:t>[</a:t>
+            </a:r>
+            <a:r>
+              <a:rPr lang="en-US" sz="1400" b="0" dirty="0">
+                <a:solidFill>
+                  <a:srgbClr val="9CDCFE"/>
+                </a:solidFill>
+                <a:effectLst/>
+                <a:latin typeface="Menlo" panose="020B0609030804020204" pitchFamily="49" charset="0"/>
+              </a:rPr>
+              <a:t>i</a:t>
+            </a:r>
+            <a:r>
+              <a:rPr lang="en-US" sz="1400" b="0" dirty="0">
+                <a:solidFill>
+                  <a:srgbClr val="D4D4D4"/>
+                </a:solidFill>
+                <a:effectLst/>
+                <a:latin typeface="Menlo" panose="020B0609030804020204" pitchFamily="49" charset="0"/>
+              </a:rPr>
+              <a:t>] = (</a:t>
+            </a:r>
+            <a:r>
+              <a:rPr lang="en-US" sz="1400" b="0" dirty="0">
+                <a:solidFill>
+                  <a:srgbClr val="B5CEA8"/>
+                </a:solidFill>
+                <a:effectLst/>
+                <a:latin typeface="Menlo" panose="020B0609030804020204" pitchFamily="49" charset="0"/>
+              </a:rPr>
+              <a:t>0</a:t>
+            </a:r>
+            <a:r>
+              <a:rPr lang="en-US" sz="1400" b="0" dirty="0">
+                <a:solidFill>
+                  <a:srgbClr val="D4D4D4"/>
+                </a:solidFill>
+                <a:effectLst/>
+                <a:latin typeface="Menlo" panose="020B0609030804020204" pitchFamily="49" charset="0"/>
+              </a:rPr>
+              <a:t>,</a:t>
+            </a:r>
+            <a:r>
+              <a:rPr lang="en-US" sz="1400" b="0" dirty="0">
+                <a:solidFill>
+                  <a:srgbClr val="B5CEA8"/>
+                </a:solidFill>
+                <a:effectLst/>
+                <a:latin typeface="Menlo" panose="020B0609030804020204" pitchFamily="49" charset="0"/>
+              </a:rPr>
+              <a:t>0</a:t>
+            </a:r>
+            <a:r>
+              <a:rPr lang="en-US" sz="1400" b="0" dirty="0">
+                <a:solidFill>
+                  <a:srgbClr val="D4D4D4"/>
+                </a:solidFill>
+                <a:effectLst/>
+                <a:latin typeface="Menlo" panose="020B0609030804020204" pitchFamily="49" charset="0"/>
+              </a:rPr>
+              <a:t>,</a:t>
+            </a:r>
+            <a:r>
+              <a:rPr lang="en-US" sz="1400" b="0" dirty="0">
+                <a:solidFill>
+                  <a:srgbClr val="B5CEA8"/>
+                </a:solidFill>
+                <a:effectLst/>
+                <a:latin typeface="Menlo" panose="020B0609030804020204" pitchFamily="49" charset="0"/>
+              </a:rPr>
+              <a:t>0</a:t>
+            </a:r>
+            <a:r>
+              <a:rPr lang="en-US" sz="1400" b="0" dirty="0">
+                <a:solidFill>
+                  <a:srgbClr val="D4D4D4"/>
+                </a:solidFill>
+                <a:effectLst/>
+                <a:latin typeface="Menlo" panose="020B0609030804020204" pitchFamily="49" charset="0"/>
+              </a:rPr>
+              <a:t>)</a:t>
+            </a:r>
+          </a:p>
+        </p:txBody>
+      </p:sp>
+    </p:spTree>
+    <p:extLst>
+      <p:ext uri="{BB962C8B-B14F-4D97-AF65-F5344CB8AC3E}">
+        <p14:creationId xmlns:p14="http://schemas.microsoft.com/office/powerpoint/2010/main" val="1143113973"/>
       </p:ext>
     </p:extLst>
   </p:cSld>
